--- a/final.pptx
+++ b/final.pptx
@@ -6,7 +6,7 @@
     <p:sldMasterId id="2147483660" r:id="rId2"/>
   </p:sldMasterIdLst>
   <p:notesMasterIdLst>
-    <p:notesMasterId r:id="rId14"/>
+    <p:notesMasterId r:id="rId15"/>
   </p:notesMasterIdLst>
   <p:sldIdLst>
     <p:sldId id="256" r:id="rId3"/>
@@ -19,7 +19,8 @@
     <p:sldId id="290" r:id="rId10"/>
     <p:sldId id="302" r:id="rId11"/>
     <p:sldId id="303" r:id="rId12"/>
-    <p:sldId id="326" r:id="rId13"/>
+    <p:sldId id="327" r:id="rId13"/>
+    <p:sldId id="326" r:id="rId14"/>
   </p:sldIdLst>
   <p:sldSz cx="12192000" cy="6858000"/>
   <p:notesSz cx="6858000" cy="9144000"/>
@@ -8186,6 +8187,244 @@
       </p:grpSpPr>
       <p:sp>
         <p:nvSpPr>
+          <p:cNvPr id="4" name="Titel 3">
+            <a:extLst>
+              <a:ext uri="{FF2B5EF4-FFF2-40B4-BE49-F238E27FC236}">
+                <a16:creationId xmlns:a16="http://schemas.microsoft.com/office/drawing/2014/main" id="{87AC8795-F72E-4F53-BACC-C551C2D8316A}"/>
+              </a:ext>
+            </a:extLst>
+          </p:cNvPr>
+          <p:cNvSpPr>
+            <a:spLocks noGrp="1"/>
+          </p:cNvSpPr>
+          <p:nvPr>
+            <p:ph type="title"/>
+          </p:nvPr>
+        </p:nvSpPr>
+        <p:spPr/>
+        <p:txBody>
+          <a:bodyPr/>
+          <a:lstStyle/>
+          <a:p>
+            <a:r>
+              <a:rPr lang="de-DE" dirty="0"/>
+              <a:t>Architektur der Plattform</a:t>
+            </a:r>
+          </a:p>
+        </p:txBody>
+      </p:sp>
+      <p:sp>
+        <p:nvSpPr>
+          <p:cNvPr id="6" name="Inhaltsplatzhalter 5">
+            <a:extLst>
+              <a:ext uri="{FF2B5EF4-FFF2-40B4-BE49-F238E27FC236}">
+                <a16:creationId xmlns:a16="http://schemas.microsoft.com/office/drawing/2014/main" id="{37D42437-95F7-4C64-81D1-F82571A32530}"/>
+              </a:ext>
+            </a:extLst>
+          </p:cNvPr>
+          <p:cNvSpPr>
+            <a:spLocks noGrp="1"/>
+          </p:cNvSpPr>
+          <p:nvPr>
+            <p:ph idx="1"/>
+          </p:nvPr>
+        </p:nvSpPr>
+        <p:spPr/>
+        <p:txBody>
+          <a:bodyPr/>
+          <a:lstStyle/>
+          <a:p>
+            <a:r>
+              <a:rPr lang="de-DE" dirty="0"/>
+              <a:t>Website beinhaltet fünf Themen</a:t>
+            </a:r>
+          </a:p>
+          <a:p>
+            <a:pPr lvl="1"/>
+            <a:r>
+              <a:rPr lang="de-DE" dirty="0"/>
+              <a:t>Profil</a:t>
+            </a:r>
+          </a:p>
+          <a:p>
+            <a:pPr lvl="1"/>
+            <a:r>
+              <a:rPr lang="de-DE" dirty="0"/>
+              <a:t>Kurse</a:t>
+            </a:r>
+          </a:p>
+          <a:p>
+            <a:pPr lvl="1"/>
+            <a:r>
+              <a:rPr lang="de-DE" dirty="0"/>
+              <a:t>Aufgaben </a:t>
+            </a:r>
+          </a:p>
+          <a:p>
+            <a:pPr lvl="1"/>
+            <a:r>
+              <a:rPr lang="de-DE" dirty="0"/>
+              <a:t>Freunde</a:t>
+            </a:r>
+          </a:p>
+          <a:p>
+            <a:pPr lvl="1"/>
+            <a:r>
+              <a:rPr lang="de-DE" dirty="0"/>
+              <a:t>Nachhilfe</a:t>
+            </a:r>
+          </a:p>
+          <a:p>
+            <a:pPr marL="0" indent="0">
+              <a:buNone/>
+            </a:pPr>
+            <a:endParaRPr lang="de-DE" dirty="0"/>
+          </a:p>
+          <a:p>
+            <a:endParaRPr lang="de-DE" dirty="0"/>
+          </a:p>
+        </p:txBody>
+      </p:sp>
+      <p:pic>
+        <p:nvPicPr>
+          <p:cNvPr id="5" name="Grafik 4">
+            <a:extLst>
+              <a:ext uri="{FF2B5EF4-FFF2-40B4-BE49-F238E27FC236}">
+                <a16:creationId xmlns:a16="http://schemas.microsoft.com/office/drawing/2014/main" id="{B7E16C27-D378-4829-A890-B1E9782FCB2F}"/>
+              </a:ext>
+            </a:extLst>
+          </p:cNvPr>
+          <p:cNvPicPr>
+            <a:picLocks noChangeAspect="1"/>
+          </p:cNvPicPr>
+          <p:nvPr/>
+        </p:nvPicPr>
+        <p:blipFill>
+          <a:blip r:embed="rId2">
+            <a:extLst>
+              <a:ext uri="{28A0092B-C50C-407E-A947-70E740481C1C}">
+                <a14:useLocalDpi xmlns:a14="http://schemas.microsoft.com/office/drawing/2010/main" val="0"/>
+              </a:ext>
+            </a:extLst>
+          </a:blip>
+          <a:stretch>
+            <a:fillRect/>
+          </a:stretch>
+        </p:blipFill>
+        <p:spPr>
+          <a:xfrm>
+            <a:off x="0" y="0"/>
+            <a:ext cx="17967158" cy="533400"/>
+          </a:xfrm>
+          <a:prstGeom prst="rect">
+            <a:avLst/>
+          </a:prstGeom>
+        </p:spPr>
+      </p:pic>
+      <p:pic>
+        <p:nvPicPr>
+          <p:cNvPr id="7" name="Grafik 6">
+            <a:extLst>
+              <a:ext uri="{FF2B5EF4-FFF2-40B4-BE49-F238E27FC236}">
+                <a16:creationId xmlns:a16="http://schemas.microsoft.com/office/drawing/2014/main" id="{D69E3AB2-FDF1-4CE2-9130-48554F747CE8}"/>
+              </a:ext>
+            </a:extLst>
+          </p:cNvPr>
+          <p:cNvPicPr>
+            <a:picLocks noChangeAspect="1"/>
+          </p:cNvPicPr>
+          <p:nvPr/>
+        </p:nvPicPr>
+        <p:blipFill>
+          <a:blip r:embed="rId3">
+            <a:extLst>
+              <a:ext uri="{28A0092B-C50C-407E-A947-70E740481C1C}">
+                <a14:useLocalDpi xmlns:a14="http://schemas.microsoft.com/office/drawing/2010/main" val="0"/>
+              </a:ext>
+            </a:extLst>
+          </a:blip>
+          <a:stretch>
+            <a:fillRect/>
+          </a:stretch>
+        </p:blipFill>
+        <p:spPr>
+          <a:xfrm>
+            <a:off x="-5202027" y="5962249"/>
+            <a:ext cx="17394027" cy="895751"/>
+          </a:xfrm>
+          <a:prstGeom prst="rect">
+            <a:avLst/>
+          </a:prstGeom>
+        </p:spPr>
+      </p:pic>
+      <p:pic>
+        <p:nvPicPr>
+          <p:cNvPr id="13" name="Grafik 12">
+            <a:extLst>
+              <a:ext uri="{FF2B5EF4-FFF2-40B4-BE49-F238E27FC236}">
+                <a16:creationId xmlns:a16="http://schemas.microsoft.com/office/drawing/2014/main" id="{3F15EF38-607C-4029-BB9B-6A63B2AFF21A}"/>
+              </a:ext>
+            </a:extLst>
+          </p:cNvPr>
+          <p:cNvPicPr>
+            <a:picLocks noChangeAspect="1"/>
+          </p:cNvPicPr>
+          <p:nvPr/>
+        </p:nvPicPr>
+        <p:blipFill>
+          <a:blip r:embed="rId4">
+            <a:extLst>
+              <a:ext uri="{28A0092B-C50C-407E-A947-70E740481C1C}">
+                <a14:useLocalDpi xmlns:a14="http://schemas.microsoft.com/office/drawing/2010/main" val="0"/>
+              </a:ext>
+            </a:extLst>
+          </a:blip>
+          <a:stretch>
+            <a:fillRect/>
+          </a:stretch>
+        </p:blipFill>
+        <p:spPr>
+          <a:xfrm>
+            <a:off x="1247555" y="6410124"/>
+            <a:ext cx="4738488" cy="358976"/>
+          </a:xfrm>
+          <a:prstGeom prst="rect">
+            <a:avLst/>
+          </a:prstGeom>
+        </p:spPr>
+      </p:pic>
+    </p:spTree>
+    <p:extLst>
+      <p:ext uri="{BB962C8B-B14F-4D97-AF65-F5344CB8AC3E}">
+        <p14:creationId xmlns:p14="http://schemas.microsoft.com/office/powerpoint/2010/main" val="2338317290"/>
+      </p:ext>
+    </p:extLst>
+  </p:cSld>
+  <p:clrMapOvr>
+    <a:masterClrMapping/>
+  </p:clrMapOvr>
+</p:sld>
+</file>
+
+<file path=ppt/slides/slide12.xml><?xml version="1.0" encoding="utf-8"?>
+<p:sld xmlns:a="http://schemas.openxmlformats.org/drawingml/2006/main" xmlns:r="http://schemas.openxmlformats.org/officeDocument/2006/relationships" xmlns:p="http://schemas.openxmlformats.org/presentationml/2006/main">
+  <p:cSld>
+    <p:spTree>
+      <p:nvGrpSpPr>
+        <p:cNvPr id="1" name=""/>
+        <p:cNvGrpSpPr/>
+        <p:nvPr/>
+      </p:nvGrpSpPr>
+      <p:grpSpPr>
+        <a:xfrm>
+          <a:off x="0" y="0"/>
+          <a:ext cx="0" cy="0"/>
+          <a:chOff x="0" y="0"/>
+          <a:chExt cx="0" cy="0"/>
+        </a:xfrm>
+      </p:grpSpPr>
+      <p:sp>
+        <p:nvSpPr>
           <p:cNvPr id="2" name="Titel 1">
             <a:extLst>
               <a:ext uri="{FF2B5EF4-FFF2-40B4-BE49-F238E27FC236}">
